--- a/Research Documentation Organization.pptx
+++ b/Research Documentation Organization.pptx
@@ -13,6 +13,7 @@
     <p:sldId id="262" r:id="rId7"/>
     <p:sldId id="263" r:id="rId8"/>
     <p:sldId id="264" r:id="rId9"/>
+    <p:sldId id="266" r:id="rId10"/>
   </p:sldIdLst>
   <p:sldSz cx="12192000" cy="6858000"/>
   <p:notesSz cx="6858000" cy="9144000"/>
@@ -266,7 +267,7 @@
           <a:p>
             <a:fld id="{99B041D1-04ED-477D-878E-7F7DCAD0400F}" type="datetimeFigureOut">
               <a:rPr lang="en-US" smtClean="0"/>
-              <a:t>12/15/2021</a:t>
+              <a:t>6/23/2023</a:t>
             </a:fld>
             <a:endParaRPr lang="en-US"/>
           </a:p>
@@ -464,7 +465,7 @@
           <a:p>
             <a:fld id="{99B041D1-04ED-477D-878E-7F7DCAD0400F}" type="datetimeFigureOut">
               <a:rPr lang="en-US" smtClean="0"/>
-              <a:t>12/15/2021</a:t>
+              <a:t>6/23/2023</a:t>
             </a:fld>
             <a:endParaRPr lang="en-US"/>
           </a:p>
@@ -672,7 +673,7 @@
           <a:p>
             <a:fld id="{99B041D1-04ED-477D-878E-7F7DCAD0400F}" type="datetimeFigureOut">
               <a:rPr lang="en-US" smtClean="0"/>
-              <a:t>12/15/2021</a:t>
+              <a:t>6/23/2023</a:t>
             </a:fld>
             <a:endParaRPr lang="en-US"/>
           </a:p>
@@ -870,7 +871,7 @@
           <a:p>
             <a:fld id="{99B041D1-04ED-477D-878E-7F7DCAD0400F}" type="datetimeFigureOut">
               <a:rPr lang="en-US" smtClean="0"/>
-              <a:t>12/15/2021</a:t>
+              <a:t>6/23/2023</a:t>
             </a:fld>
             <a:endParaRPr lang="en-US"/>
           </a:p>
@@ -1145,7 +1146,7 @@
           <a:p>
             <a:fld id="{99B041D1-04ED-477D-878E-7F7DCAD0400F}" type="datetimeFigureOut">
               <a:rPr lang="en-US" smtClean="0"/>
-              <a:t>12/15/2021</a:t>
+              <a:t>6/23/2023</a:t>
             </a:fld>
             <a:endParaRPr lang="en-US"/>
           </a:p>
@@ -1410,7 +1411,7 @@
           <a:p>
             <a:fld id="{99B041D1-04ED-477D-878E-7F7DCAD0400F}" type="datetimeFigureOut">
               <a:rPr lang="en-US" smtClean="0"/>
-              <a:t>12/15/2021</a:t>
+              <a:t>6/23/2023</a:t>
             </a:fld>
             <a:endParaRPr lang="en-US"/>
           </a:p>
@@ -1822,7 +1823,7 @@
           <a:p>
             <a:fld id="{99B041D1-04ED-477D-878E-7F7DCAD0400F}" type="datetimeFigureOut">
               <a:rPr lang="en-US" smtClean="0"/>
-              <a:t>12/15/2021</a:t>
+              <a:t>6/23/2023</a:t>
             </a:fld>
             <a:endParaRPr lang="en-US"/>
           </a:p>
@@ -1963,7 +1964,7 @@
           <a:p>
             <a:fld id="{99B041D1-04ED-477D-878E-7F7DCAD0400F}" type="datetimeFigureOut">
               <a:rPr lang="en-US" smtClean="0"/>
-              <a:t>12/15/2021</a:t>
+              <a:t>6/23/2023</a:t>
             </a:fld>
             <a:endParaRPr lang="en-US"/>
           </a:p>
@@ -2076,7 +2077,7 @@
           <a:p>
             <a:fld id="{99B041D1-04ED-477D-878E-7F7DCAD0400F}" type="datetimeFigureOut">
               <a:rPr lang="en-US" smtClean="0"/>
-              <a:t>12/15/2021</a:t>
+              <a:t>6/23/2023</a:t>
             </a:fld>
             <a:endParaRPr lang="en-US"/>
           </a:p>
@@ -2387,7 +2388,7 @@
           <a:p>
             <a:fld id="{99B041D1-04ED-477D-878E-7F7DCAD0400F}" type="datetimeFigureOut">
               <a:rPr lang="en-US" smtClean="0"/>
-              <a:t>12/15/2021</a:t>
+              <a:t>6/23/2023</a:t>
             </a:fld>
             <a:endParaRPr lang="en-US"/>
           </a:p>
@@ -2675,7 +2676,7 @@
           <a:p>
             <a:fld id="{99B041D1-04ED-477D-878E-7F7DCAD0400F}" type="datetimeFigureOut">
               <a:rPr lang="en-US" smtClean="0"/>
-              <a:t>12/15/2021</a:t>
+              <a:t>6/23/2023</a:t>
             </a:fld>
             <a:endParaRPr lang="en-US"/>
           </a:p>
@@ -2916,7 +2917,7 @@
           <a:p>
             <a:fld id="{99B041D1-04ED-477D-878E-7F7DCAD0400F}" type="datetimeFigureOut">
               <a:rPr lang="en-US" smtClean="0"/>
-              <a:t>12/15/2021</a:t>
+              <a:t>6/23/2023</a:t>
             </a:fld>
             <a:endParaRPr lang="en-US"/>
           </a:p>
@@ -16289,6 +16290,165 @@
 </p:sld>
 </file>
 
+<file path=ppt/slides/slide9.xml><?xml version="1.0" encoding="utf-8"?>
+<p:sld xmlns:a="http://schemas.openxmlformats.org/drawingml/2006/main" xmlns:r="http://schemas.openxmlformats.org/officeDocument/2006/relationships" xmlns:p="http://schemas.openxmlformats.org/presentationml/2006/main">
+  <p:cSld>
+    <p:spTree>
+      <p:nvGrpSpPr>
+        <p:cNvPr id="1" name=""/>
+        <p:cNvGrpSpPr/>
+        <p:nvPr/>
+      </p:nvGrpSpPr>
+      <p:grpSpPr>
+        <a:xfrm>
+          <a:off x="0" y="0"/>
+          <a:ext cx="0" cy="0"/>
+          <a:chOff x="0" y="0"/>
+          <a:chExt cx="0" cy="0"/>
+        </a:xfrm>
+      </p:grpSpPr>
+      <p:sp>
+        <p:nvSpPr>
+          <p:cNvPr id="2" name="Title 1">
+            <a:extLst>
+              <a:ext uri="{FF2B5EF4-FFF2-40B4-BE49-F238E27FC236}">
+                <a16:creationId xmlns:a16="http://schemas.microsoft.com/office/drawing/2014/main" id="{4C2E6148-FA9A-4F00-0E87-FEFFF29E53A8}"/>
+              </a:ext>
+            </a:extLst>
+          </p:cNvPr>
+          <p:cNvSpPr>
+            <a:spLocks noGrp="1"/>
+          </p:cNvSpPr>
+          <p:nvPr>
+            <p:ph type="title"/>
+          </p:nvPr>
+        </p:nvSpPr>
+        <p:spPr/>
+        <p:txBody>
+          <a:bodyPr/>
+          <a:lstStyle/>
+          <a:p>
+            <a:endParaRPr lang="en-US"/>
+          </a:p>
+        </p:txBody>
+      </p:sp>
+      <p:pic>
+        <p:nvPicPr>
+          <p:cNvPr id="4" name="Picture 3" descr="A picture containing outdoor, day&#10;&#10;Description automatically generated">
+            <a:extLst>
+              <a:ext uri="{FF2B5EF4-FFF2-40B4-BE49-F238E27FC236}">
+                <a16:creationId xmlns:a16="http://schemas.microsoft.com/office/drawing/2014/main" id="{49FFC90D-8B58-C2FB-1504-785848E56DC9}"/>
+              </a:ext>
+            </a:extLst>
+          </p:cNvPr>
+          <p:cNvPicPr>
+            <a:picLocks noChangeAspect="1"/>
+          </p:cNvPicPr>
+          <p:nvPr/>
+        </p:nvPicPr>
+        <p:blipFill>
+          <a:blip r:embed="rId2">
+            <a:clrChange>
+              <a:clrFrom>
+                <a:srgbClr val="FFFFFF"/>
+              </a:clrFrom>
+              <a:clrTo>
+                <a:srgbClr val="FFFFFF">
+                  <a:alpha val="0"/>
+                </a:srgbClr>
+              </a:clrTo>
+            </a:clrChange>
+            <a:extLst>
+              <a:ext uri="{28A0092B-C50C-407E-A947-70E740481C1C}">
+                <a14:useLocalDpi xmlns:a14="http://schemas.microsoft.com/office/drawing/2010/main" val="0"/>
+              </a:ext>
+            </a:extLst>
+          </a:blip>
+          <a:stretch>
+            <a:fillRect/>
+          </a:stretch>
+        </p:blipFill>
+        <p:spPr>
+          <a:xfrm>
+            <a:off x="0" y="0"/>
+            <a:ext cx="12192000" cy="6858000"/>
+          </a:xfrm>
+          <a:prstGeom prst="rect">
+            <a:avLst/>
+          </a:prstGeom>
+        </p:spPr>
+      </p:pic>
+      <p:pic>
+        <p:nvPicPr>
+          <p:cNvPr id="1028" name="Picture 4" descr="Battery Charge Vector Art, Icons, and Graphics for Free Download">
+            <a:extLst>
+              <a:ext uri="{FF2B5EF4-FFF2-40B4-BE49-F238E27FC236}">
+                <a16:creationId xmlns:a16="http://schemas.microsoft.com/office/drawing/2014/main" id="{C504AFF3-C3F5-7594-5569-0E3B9836CB9D}"/>
+              </a:ext>
+            </a:extLst>
+          </p:cNvPr>
+          <p:cNvPicPr>
+            <a:picLocks noChangeAspect="1" noChangeArrowheads="1"/>
+          </p:cNvPicPr>
+          <p:nvPr/>
+        </p:nvPicPr>
+        <p:blipFill>
+          <a:blip r:embed="rId3">
+            <a:clrChange>
+              <a:clrFrom>
+                <a:srgbClr val="FFFFFF"/>
+              </a:clrFrom>
+              <a:clrTo>
+                <a:srgbClr val="FFFFFF">
+                  <a:alpha val="0"/>
+                </a:srgbClr>
+              </a:clrTo>
+            </a:clrChange>
+            <a:lum bright="70000" contrast="-70000"/>
+            <a:extLst>
+              <a:ext uri="{28A0092B-C50C-407E-A947-70E740481C1C}">
+                <a14:useLocalDpi xmlns:a14="http://schemas.microsoft.com/office/drawing/2010/main" val="0"/>
+              </a:ext>
+            </a:extLst>
+          </a:blip>
+          <a:srcRect/>
+          <a:stretch>
+            <a:fillRect/>
+          </a:stretch>
+        </p:blipFill>
+        <p:spPr bwMode="auto">
+          <a:xfrm>
+            <a:off x="10356112" y="-121629"/>
+            <a:ext cx="1680221" cy="1680221"/>
+          </a:xfrm>
+          <a:prstGeom prst="rect">
+            <a:avLst/>
+          </a:prstGeom>
+          <a:noFill/>
+          <a:extLst>
+            <a:ext uri="{909E8E84-426E-40DD-AFC4-6F175D3DCCD1}">
+              <a14:hiddenFill xmlns:a14="http://schemas.microsoft.com/office/drawing/2010/main">
+                <a:solidFill>
+                  <a:srgbClr val="FFFFFF"/>
+                </a:solidFill>
+              </a14:hiddenFill>
+            </a:ext>
+          </a:extLst>
+        </p:spPr>
+      </p:pic>
+    </p:spTree>
+    <p:extLst>
+      <p:ext uri="{BB962C8B-B14F-4D97-AF65-F5344CB8AC3E}">
+        <p14:creationId xmlns:p14="http://schemas.microsoft.com/office/powerpoint/2010/main" val="3704928806"/>
+      </p:ext>
+    </p:extLst>
+  </p:cSld>
+  <p:clrMapOvr>
+    <a:masterClrMapping/>
+  </p:clrMapOvr>
+</p:sld>
+</file>
+
 <file path=ppt/theme/theme1.xml><?xml version="1.0" encoding="utf-8"?>
 <a:theme xmlns:a="http://schemas.openxmlformats.org/drawingml/2006/main" name="Office Theme">
   <a:themeElements>
